--- a/PowerPoints/Abstract Classes.pptx
+++ b/PowerPoints/Abstract Classes.pptx
@@ -6,7 +6,12 @@
   </p:sldMasterIdLst>
   <p:sldIdLst>
     <p:sldId id="256" r:id="rId2"/>
-    <p:sldId id="257" r:id="rId3"/>
+    <p:sldId id="258" r:id="rId3"/>
+    <p:sldId id="259" r:id="rId4"/>
+    <p:sldId id="260" r:id="rId5"/>
+    <p:sldId id="261" r:id="rId6"/>
+    <p:sldId id="262" r:id="rId7"/>
+    <p:sldId id="257" r:id="rId8"/>
   </p:sldIdLst>
   <p:sldSz cx="12192000" cy="6858000"/>
   <p:notesSz cx="6858000" cy="9144000"/>
@@ -105,6 +110,11 @@
       </a:defRPr>
     </a:lvl9pPr>
   </p:defaultTextStyle>
+  <p:extLst>
+    <p:ext uri="{EFAFB233-063F-42B5-8137-9DF3F51BA10A}">
+      <p15:sldGuideLst xmlns:p15="http://schemas.microsoft.com/office/powerpoint/2012/main"/>
+    </p:ext>
+  </p:extLst>
 </p:presentation>
 </file>
 
@@ -255,7 +265,7 @@
           <a:p>
             <a:fld id="{CEBDB27C-8593-254E-B3C4-4BCA40A40E97}" type="datetimeFigureOut">
               <a:rPr lang="en-US" smtClean="0"/>
-              <a:t>10/19/21</a:t>
+              <a:t>10/21/21</a:t>
             </a:fld>
             <a:endParaRPr lang="en-US"/>
           </a:p>
@@ -453,7 +463,7 @@
           <a:p>
             <a:fld id="{CEBDB27C-8593-254E-B3C4-4BCA40A40E97}" type="datetimeFigureOut">
               <a:rPr lang="en-US" smtClean="0"/>
-              <a:t>10/19/21</a:t>
+              <a:t>10/21/21</a:t>
             </a:fld>
             <a:endParaRPr lang="en-US"/>
           </a:p>
@@ -661,7 +671,7 @@
           <a:p>
             <a:fld id="{CEBDB27C-8593-254E-B3C4-4BCA40A40E97}" type="datetimeFigureOut">
               <a:rPr lang="en-US" smtClean="0"/>
-              <a:t>10/19/21</a:t>
+              <a:t>10/21/21</a:t>
             </a:fld>
             <a:endParaRPr lang="en-US"/>
           </a:p>
@@ -859,7 +869,7 @@
           <a:p>
             <a:fld id="{CEBDB27C-8593-254E-B3C4-4BCA40A40E97}" type="datetimeFigureOut">
               <a:rPr lang="en-US" smtClean="0"/>
-              <a:t>10/19/21</a:t>
+              <a:t>10/21/21</a:t>
             </a:fld>
             <a:endParaRPr lang="en-US"/>
           </a:p>
@@ -1134,7 +1144,7 @@
           <a:p>
             <a:fld id="{CEBDB27C-8593-254E-B3C4-4BCA40A40E97}" type="datetimeFigureOut">
               <a:rPr lang="en-US" smtClean="0"/>
-              <a:t>10/19/21</a:t>
+              <a:t>10/21/21</a:t>
             </a:fld>
             <a:endParaRPr lang="en-US"/>
           </a:p>
@@ -1399,7 +1409,7 @@
           <a:p>
             <a:fld id="{CEBDB27C-8593-254E-B3C4-4BCA40A40E97}" type="datetimeFigureOut">
               <a:rPr lang="en-US" smtClean="0"/>
-              <a:t>10/19/21</a:t>
+              <a:t>10/21/21</a:t>
             </a:fld>
             <a:endParaRPr lang="en-US"/>
           </a:p>
@@ -1811,7 +1821,7 @@
           <a:p>
             <a:fld id="{CEBDB27C-8593-254E-B3C4-4BCA40A40E97}" type="datetimeFigureOut">
               <a:rPr lang="en-US" smtClean="0"/>
-              <a:t>10/19/21</a:t>
+              <a:t>10/21/21</a:t>
             </a:fld>
             <a:endParaRPr lang="en-US"/>
           </a:p>
@@ -1952,7 +1962,7 @@
           <a:p>
             <a:fld id="{CEBDB27C-8593-254E-B3C4-4BCA40A40E97}" type="datetimeFigureOut">
               <a:rPr lang="en-US" smtClean="0"/>
-              <a:t>10/19/21</a:t>
+              <a:t>10/21/21</a:t>
             </a:fld>
             <a:endParaRPr lang="en-US"/>
           </a:p>
@@ -2065,7 +2075,7 @@
           <a:p>
             <a:fld id="{CEBDB27C-8593-254E-B3C4-4BCA40A40E97}" type="datetimeFigureOut">
               <a:rPr lang="en-US" smtClean="0"/>
-              <a:t>10/19/21</a:t>
+              <a:t>10/21/21</a:t>
             </a:fld>
             <a:endParaRPr lang="en-US"/>
           </a:p>
@@ -2376,7 +2386,7 @@
           <a:p>
             <a:fld id="{CEBDB27C-8593-254E-B3C4-4BCA40A40E97}" type="datetimeFigureOut">
               <a:rPr lang="en-US" smtClean="0"/>
-              <a:t>10/19/21</a:t>
+              <a:t>10/21/21</a:t>
             </a:fld>
             <a:endParaRPr lang="en-US"/>
           </a:p>
@@ -2664,7 +2674,7 @@
           <a:p>
             <a:fld id="{CEBDB27C-8593-254E-B3C4-4BCA40A40E97}" type="datetimeFigureOut">
               <a:rPr lang="en-US" smtClean="0"/>
-              <a:t>10/19/21</a:t>
+              <a:t>10/21/21</a:t>
             </a:fld>
             <a:endParaRPr lang="en-US"/>
           </a:p>
@@ -2905,7 +2915,7 @@
           <a:p>
             <a:fld id="{CEBDB27C-8593-254E-B3C4-4BCA40A40E97}" type="datetimeFigureOut">
               <a:rPr lang="en-US" smtClean="0"/>
-              <a:t>10/19/21</a:t>
+              <a:t>10/21/21</a:t>
             </a:fld>
             <a:endParaRPr lang="en-US"/>
           </a:p>
@@ -3308,6 +3318,14 @@
 <file path=ppt/slides/slide1.xml><?xml version="1.0" encoding="utf-8"?>
 <p:sld xmlns:a="http://schemas.openxmlformats.org/drawingml/2006/main" xmlns:r="http://schemas.openxmlformats.org/officeDocument/2006/relationships" xmlns:p="http://schemas.openxmlformats.org/presentationml/2006/main">
   <p:cSld>
+    <p:bg>
+      <p:bgPr>
+        <a:solidFill>
+          <a:schemeClr val="bg1"/>
+        </a:solidFill>
+        <a:effectLst/>
+      </p:bgPr>
+    </p:bg>
     <p:spTree>
       <p:nvGrpSpPr>
         <p:cNvPr id="1" name=""/>
@@ -3324,6 +3342,82 @@
       </p:grpSpPr>
       <p:sp>
         <p:nvSpPr>
+          <p:cNvPr id="8" name="Rectangle 7">
+            <a:extLst>
+              <a:ext uri="{FF2B5EF4-FFF2-40B4-BE49-F238E27FC236}">
+                <a16:creationId xmlns:a16="http://schemas.microsoft.com/office/drawing/2014/main" id="{EFA9B6C6-A247-48A8-9A1C-1E36FA9456B5}"/>
+              </a:ext>
+              <a:ext uri="{C183D7F6-B498-43B3-948B-1728B52AA6E4}">
+                <adec:decorative xmlns:adec="http://schemas.microsoft.com/office/drawing/2017/decorative" val="1"/>
+              </a:ext>
+            </a:extLst>
+          </p:cNvPr>
+          <p:cNvSpPr>
+            <a:spLocks noGrp="1" noRot="1" noChangeAspect="1" noMove="1" noResize="1" noEditPoints="1" noAdjustHandles="1" noChangeArrowheads="1" noChangeShapeType="1" noTextEdit="1"/>
+          </p:cNvSpPr>
+          <p:nvPr>
+            <p:extLst>
+              <p:ext uri="{386F3935-93C4-4BCD-93E2-E3B085C9AB24}">
+                <p16:designElem xmlns:p16="http://schemas.microsoft.com/office/powerpoint/2015/main" val="1"/>
+              </p:ext>
+            </p:extLst>
+          </p:nvPr>
+        </p:nvSpPr>
+        <p:spPr>
+          <a:xfrm>
+            <a:off x="0" y="0"/>
+            <a:ext cx="12192000" cy="6858000"/>
+          </a:xfrm>
+          <a:prstGeom prst="rect">
+            <a:avLst/>
+          </a:prstGeom>
+          <a:gradFill flip="none" rotWithShape="1">
+            <a:gsLst>
+              <a:gs pos="0">
+                <a:schemeClr val="accent1"/>
+              </a:gs>
+              <a:gs pos="100000">
+                <a:schemeClr val="accent2"/>
+              </a:gs>
+            </a:gsLst>
+            <a:lin ang="2700000" scaled="1"/>
+            <a:tileRect/>
+          </a:gradFill>
+          <a:ln>
+            <a:noFill/>
+          </a:ln>
+        </p:spPr>
+        <p:style>
+          <a:lnRef idx="2">
+            <a:schemeClr val="accent1">
+              <a:shade val="50000"/>
+            </a:schemeClr>
+          </a:lnRef>
+          <a:fillRef idx="1">
+            <a:schemeClr val="accent1"/>
+          </a:fillRef>
+          <a:effectRef idx="0">
+            <a:schemeClr val="accent1"/>
+          </a:effectRef>
+          <a:fontRef idx="minor">
+            <a:schemeClr val="lt1"/>
+          </a:fontRef>
+        </p:style>
+        <p:txBody>
+          <a:bodyPr rtlCol="0" anchor="ctr"/>
+          <a:lstStyle/>
+          <a:p>
+            <a:pPr algn="ctr"/>
+            <a:endParaRPr lang="en-US">
+              <a:solidFill>
+                <a:srgbClr val="FFFFFF"/>
+              </a:solidFill>
+            </a:endParaRPr>
+          </a:p>
+        </p:txBody>
+      </p:sp>
+      <p:sp>
+        <p:nvSpPr>
           <p:cNvPr id="2" name="Title 1">
             <a:extLst>
               <a:ext uri="{FF2B5EF4-FFF2-40B4-BE49-F238E27FC236}">
@@ -3338,12 +3432,57 @@
             <p:ph type="ctrTitle"/>
           </p:nvPr>
         </p:nvSpPr>
-        <p:spPr/>
-        <p:txBody>
-          <a:bodyPr/>
-          <a:lstStyle/>
-          <a:p>
-            <a:endParaRPr lang="en-US"/>
+        <p:spPr>
+          <a:xfrm>
+            <a:off x="1301261" y="590062"/>
+            <a:ext cx="5409655" cy="2838938"/>
+          </a:xfrm>
+        </p:spPr>
+        <p:txBody>
+          <a:bodyPr>
+            <a:normAutofit/>
+          </a:bodyPr>
+          <a:lstStyle/>
+          <a:p>
+            <a:pPr algn="l"/>
+            <a:r>
+              <a:rPr lang="en-US" sz="5600" dirty="0">
+                <a:solidFill>
+                  <a:srgbClr val="FFFFFF"/>
+                </a:solidFill>
+              </a:rPr>
+              <a:t>Abstract Classes </a:t>
+            </a:r>
+            <a:br>
+              <a:rPr lang="en-US" sz="5600" dirty="0">
+                <a:solidFill>
+                  <a:srgbClr val="FFFFFF"/>
+                </a:solidFill>
+              </a:rPr>
+            </a:br>
+            <a:r>
+              <a:rPr lang="en-US" sz="5600" dirty="0">
+                <a:solidFill>
+                  <a:srgbClr val="FFFFFF"/>
+                </a:solidFill>
+              </a:rPr>
+              <a:t>&amp; </a:t>
+            </a:r>
+            <a:br>
+              <a:rPr lang="en-US" sz="5600" dirty="0">
+                <a:solidFill>
+                  <a:srgbClr val="FFFFFF"/>
+                </a:solidFill>
+              </a:rPr>
+            </a:br>
+            <a:r>
+              <a:rPr lang="en-US" sz="5600" dirty="0">
+                <a:solidFill>
+                  <a:srgbClr val="FFFFFF"/>
+                </a:solidFill>
+              </a:rPr>
+              <a:t>Interfaces</a:t>
+            </a:r>
           </a:p>
         </p:txBody>
       </p:sp>
@@ -3363,15 +3502,568 @@
             <p:ph type="subTitle" idx="1"/>
           </p:nvPr>
         </p:nvSpPr>
-        <p:spPr/>
-        <p:txBody>
-          <a:bodyPr/>
-          <a:lstStyle/>
-          <a:p>
-            <a:endParaRPr lang="en-US"/>
-          </a:p>
-        </p:txBody>
-      </p:sp>
+        <p:spPr>
+          <a:xfrm>
+            <a:off x="5642044" y="4698614"/>
+            <a:ext cx="5088650" cy="1198120"/>
+          </a:xfrm>
+        </p:spPr>
+        <p:txBody>
+          <a:bodyPr>
+            <a:normAutofit/>
+          </a:bodyPr>
+          <a:lstStyle/>
+          <a:p>
+            <a:pPr algn="r"/>
+            <a:r>
+              <a:rPr lang="en-US" sz="2000">
+                <a:solidFill>
+                  <a:srgbClr val="FFFFFF"/>
+                </a:solidFill>
+              </a:rPr>
+              <a:t>By Alex Joslin</a:t>
+            </a:r>
+          </a:p>
+        </p:txBody>
+      </p:sp>
+      <p:sp>
+        <p:nvSpPr>
+          <p:cNvPr id="10" name="Graphic 13">
+            <a:extLst>
+              <a:ext uri="{FF2B5EF4-FFF2-40B4-BE49-F238E27FC236}">
+                <a16:creationId xmlns:a16="http://schemas.microsoft.com/office/drawing/2014/main" id="{C5CB530E-515E-412C-9DF1-5F8FFBD6F383}"/>
+              </a:ext>
+              <a:ext uri="{C183D7F6-B498-43B3-948B-1728B52AA6E4}">
+                <adec:decorative xmlns:adec="http://schemas.microsoft.com/office/drawing/2017/decorative" val="1"/>
+              </a:ext>
+            </a:extLst>
+          </p:cNvPr>
+          <p:cNvSpPr>
+            <a:spLocks noGrp="1" noRot="1" noChangeAspect="1" noMove="1" noResize="1" noEditPoints="1" noAdjustHandles="1" noChangeArrowheads="1" noChangeShapeType="1" noTextEdit="1"/>
+          </p:cNvSpPr>
+          <p:nvPr>
+            <p:extLst>
+              <p:ext uri="{386F3935-93C4-4BCD-93E2-E3B085C9AB24}">
+                <p16:designElem xmlns:p16="http://schemas.microsoft.com/office/powerpoint/2015/main" val="1"/>
+              </p:ext>
+            </p:extLst>
+          </p:nvPr>
+        </p:nvSpPr>
+        <p:spPr>
+          <a:xfrm>
+            <a:off x="6817602" y="2744546"/>
+            <a:ext cx="139038" cy="139038"/>
+          </a:xfrm>
+          <a:custGeom>
+            <a:avLst/>
+            <a:gdLst>
+              <a:gd name="connsiteX0" fmla="*/ 129601 w 139038"/>
+              <a:gd name="connsiteY0" fmla="*/ 60082 h 139038"/>
+              <a:gd name="connsiteX1" fmla="*/ 78956 w 139038"/>
+              <a:gd name="connsiteY1" fmla="*/ 60082 h 139038"/>
+              <a:gd name="connsiteX2" fmla="*/ 78956 w 139038"/>
+              <a:gd name="connsiteY2" fmla="*/ 9437 h 139038"/>
+              <a:gd name="connsiteX3" fmla="*/ 69519 w 139038"/>
+              <a:gd name="connsiteY3" fmla="*/ 0 h 139038"/>
+              <a:gd name="connsiteX4" fmla="*/ 60082 w 139038"/>
+              <a:gd name="connsiteY4" fmla="*/ 9437 h 139038"/>
+              <a:gd name="connsiteX5" fmla="*/ 60082 w 139038"/>
+              <a:gd name="connsiteY5" fmla="*/ 60082 h 139038"/>
+              <a:gd name="connsiteX6" fmla="*/ 9437 w 139038"/>
+              <a:gd name="connsiteY6" fmla="*/ 60082 h 139038"/>
+              <a:gd name="connsiteX7" fmla="*/ 0 w 139038"/>
+              <a:gd name="connsiteY7" fmla="*/ 69519 h 139038"/>
+              <a:gd name="connsiteX8" fmla="*/ 9437 w 139038"/>
+              <a:gd name="connsiteY8" fmla="*/ 78956 h 139038"/>
+              <a:gd name="connsiteX9" fmla="*/ 60082 w 139038"/>
+              <a:gd name="connsiteY9" fmla="*/ 78956 h 139038"/>
+              <a:gd name="connsiteX10" fmla="*/ 60082 w 139038"/>
+              <a:gd name="connsiteY10" fmla="*/ 129601 h 139038"/>
+              <a:gd name="connsiteX11" fmla="*/ 69519 w 139038"/>
+              <a:gd name="connsiteY11" fmla="*/ 139038 h 139038"/>
+              <a:gd name="connsiteX12" fmla="*/ 78956 w 139038"/>
+              <a:gd name="connsiteY12" fmla="*/ 129601 h 139038"/>
+              <a:gd name="connsiteX13" fmla="*/ 78956 w 139038"/>
+              <a:gd name="connsiteY13" fmla="*/ 78956 h 139038"/>
+              <a:gd name="connsiteX14" fmla="*/ 129601 w 139038"/>
+              <a:gd name="connsiteY14" fmla="*/ 78956 h 139038"/>
+              <a:gd name="connsiteX15" fmla="*/ 139038 w 139038"/>
+              <a:gd name="connsiteY15" fmla="*/ 69519 h 139038"/>
+              <a:gd name="connsiteX16" fmla="*/ 129601 w 139038"/>
+              <a:gd name="connsiteY16" fmla="*/ 60082 h 139038"/>
+            </a:gdLst>
+            <a:ahLst/>
+            <a:cxnLst>
+              <a:cxn ang="0">
+                <a:pos x="connsiteX0" y="connsiteY0"/>
+              </a:cxn>
+              <a:cxn ang="0">
+                <a:pos x="connsiteX1" y="connsiteY1"/>
+              </a:cxn>
+              <a:cxn ang="0">
+                <a:pos x="connsiteX2" y="connsiteY2"/>
+              </a:cxn>
+              <a:cxn ang="0">
+                <a:pos x="connsiteX3" y="connsiteY3"/>
+              </a:cxn>
+              <a:cxn ang="0">
+                <a:pos x="connsiteX4" y="connsiteY4"/>
+              </a:cxn>
+              <a:cxn ang="0">
+                <a:pos x="connsiteX5" y="connsiteY5"/>
+              </a:cxn>
+              <a:cxn ang="0">
+                <a:pos x="connsiteX6" y="connsiteY6"/>
+              </a:cxn>
+              <a:cxn ang="0">
+                <a:pos x="connsiteX7" y="connsiteY7"/>
+              </a:cxn>
+              <a:cxn ang="0">
+                <a:pos x="connsiteX8" y="connsiteY8"/>
+              </a:cxn>
+              <a:cxn ang="0">
+                <a:pos x="connsiteX9" y="connsiteY9"/>
+              </a:cxn>
+              <a:cxn ang="0">
+                <a:pos x="connsiteX10" y="connsiteY10"/>
+              </a:cxn>
+              <a:cxn ang="0">
+                <a:pos x="connsiteX11" y="connsiteY11"/>
+              </a:cxn>
+              <a:cxn ang="0">
+                <a:pos x="connsiteX12" y="connsiteY12"/>
+              </a:cxn>
+              <a:cxn ang="0">
+                <a:pos x="connsiteX13" y="connsiteY13"/>
+              </a:cxn>
+              <a:cxn ang="0">
+                <a:pos x="connsiteX14" y="connsiteY14"/>
+              </a:cxn>
+              <a:cxn ang="0">
+                <a:pos x="connsiteX15" y="connsiteY15"/>
+              </a:cxn>
+              <a:cxn ang="0">
+                <a:pos x="connsiteX16" y="connsiteY16"/>
+              </a:cxn>
+            </a:cxnLst>
+            <a:rect l="l" t="t" r="r" b="b"/>
+            <a:pathLst>
+              <a:path w="139038" h="139038">
+                <a:moveTo>
+                  <a:pt x="129601" y="60082"/>
+                </a:moveTo>
+                <a:lnTo>
+                  <a:pt x="78956" y="60082"/>
+                </a:lnTo>
+                <a:lnTo>
+                  <a:pt x="78956" y="9437"/>
+                </a:lnTo>
+                <a:cubicBezTo>
+                  <a:pt x="78956" y="4225"/>
+                  <a:pt x="74731" y="0"/>
+                  <a:pt x="69519" y="0"/>
+                </a:cubicBezTo>
+                <a:cubicBezTo>
+                  <a:pt x="64307" y="0"/>
+                  <a:pt x="60082" y="4225"/>
+                  <a:pt x="60082" y="9437"/>
+                </a:cubicBezTo>
+                <a:lnTo>
+                  <a:pt x="60082" y="60082"/>
+                </a:lnTo>
+                <a:lnTo>
+                  <a:pt x="9437" y="60082"/>
+                </a:lnTo>
+                <a:cubicBezTo>
+                  <a:pt x="4225" y="60082"/>
+                  <a:pt x="0" y="64307"/>
+                  <a:pt x="0" y="69519"/>
+                </a:cubicBezTo>
+                <a:cubicBezTo>
+                  <a:pt x="0" y="74731"/>
+                  <a:pt x="4225" y="78956"/>
+                  <a:pt x="9437" y="78956"/>
+                </a:cubicBezTo>
+                <a:lnTo>
+                  <a:pt x="60082" y="78956"/>
+                </a:lnTo>
+                <a:lnTo>
+                  <a:pt x="60082" y="129601"/>
+                </a:lnTo>
+                <a:cubicBezTo>
+                  <a:pt x="60082" y="134813"/>
+                  <a:pt x="64307" y="139038"/>
+                  <a:pt x="69519" y="139038"/>
+                </a:cubicBezTo>
+                <a:cubicBezTo>
+                  <a:pt x="74731" y="139038"/>
+                  <a:pt x="78956" y="134813"/>
+                  <a:pt x="78956" y="129601"/>
+                </a:cubicBezTo>
+                <a:lnTo>
+                  <a:pt x="78956" y="78956"/>
+                </a:lnTo>
+                <a:lnTo>
+                  <a:pt x="129601" y="78956"/>
+                </a:lnTo>
+                <a:cubicBezTo>
+                  <a:pt x="134813" y="78956"/>
+                  <a:pt x="139038" y="74731"/>
+                  <a:pt x="139038" y="69519"/>
+                </a:cubicBezTo>
+                <a:cubicBezTo>
+                  <a:pt x="139038" y="64307"/>
+                  <a:pt x="134813" y="60082"/>
+                  <a:pt x="129601" y="60082"/>
+                </a:cubicBezTo>
+                <a:close/>
+              </a:path>
+            </a:pathLst>
+          </a:custGeom>
+          <a:solidFill>
+            <a:srgbClr val="FFFFFF"/>
+          </a:solidFill>
+          <a:ln w="603" cap="flat">
+            <a:noFill/>
+            <a:prstDash val="solid"/>
+            <a:miter/>
+          </a:ln>
+        </p:spPr>
+        <p:txBody>
+          <a:bodyPr rtlCol="0" anchor="ctr"/>
+          <a:lstStyle/>
+          <a:p>
+            <a:endParaRPr lang="en-US">
+              <a:solidFill>
+                <a:srgbClr val="FFFFFF"/>
+              </a:solidFill>
+            </a:endParaRPr>
+          </a:p>
+        </p:txBody>
+      </p:sp>
+      <p:sp>
+        <p:nvSpPr>
+          <p:cNvPr id="12" name="Graphic 12">
+            <a:extLst>
+              <a:ext uri="{FF2B5EF4-FFF2-40B4-BE49-F238E27FC236}">
+                <a16:creationId xmlns:a16="http://schemas.microsoft.com/office/drawing/2014/main" id="{712D4376-A578-4FF1-94FC-245E7A6A489F}"/>
+              </a:ext>
+              <a:ext uri="{C183D7F6-B498-43B3-948B-1728B52AA6E4}">
+                <adec:decorative xmlns:adec="http://schemas.microsoft.com/office/drawing/2017/decorative" val="1"/>
+              </a:ext>
+            </a:extLst>
+          </p:cNvPr>
+          <p:cNvSpPr>
+            <a:spLocks noGrp="1" noRot="1" noChangeAspect="1" noMove="1" noResize="1" noEditPoints="1" noAdjustHandles="1" noChangeArrowheads="1" noChangeShapeType="1" noTextEdit="1"/>
+          </p:cNvSpPr>
+          <p:nvPr>
+            <p:extLst>
+              <p:ext uri="{386F3935-93C4-4BCD-93E2-E3B085C9AB24}">
+                <p16:designElem xmlns:p16="http://schemas.microsoft.com/office/powerpoint/2015/main" val="1"/>
+              </p:ext>
+            </p:extLst>
+          </p:nvPr>
+        </p:nvSpPr>
+        <p:spPr>
+          <a:xfrm>
+            <a:off x="7176380" y="2973840"/>
+            <a:ext cx="91138" cy="91138"/>
+          </a:xfrm>
+          <a:custGeom>
+            <a:avLst/>
+            <a:gdLst>
+              <a:gd name="connsiteX0" fmla="*/ 91138 w 91138"/>
+              <a:gd name="connsiteY0" fmla="*/ 45569 h 91138"/>
+              <a:gd name="connsiteX1" fmla="*/ 45569 w 91138"/>
+              <a:gd name="connsiteY1" fmla="*/ 91138 h 91138"/>
+              <a:gd name="connsiteX2" fmla="*/ 0 w 91138"/>
+              <a:gd name="connsiteY2" fmla="*/ 45569 h 91138"/>
+              <a:gd name="connsiteX3" fmla="*/ 45569 w 91138"/>
+              <a:gd name="connsiteY3" fmla="*/ 0 h 91138"/>
+              <a:gd name="connsiteX4" fmla="*/ 91138 w 91138"/>
+              <a:gd name="connsiteY4" fmla="*/ 45569 h 91138"/>
+            </a:gdLst>
+            <a:ahLst/>
+            <a:cxnLst>
+              <a:cxn ang="0">
+                <a:pos x="connsiteX0" y="connsiteY0"/>
+              </a:cxn>
+              <a:cxn ang="0">
+                <a:pos x="connsiteX1" y="connsiteY1"/>
+              </a:cxn>
+              <a:cxn ang="0">
+                <a:pos x="connsiteX2" y="connsiteY2"/>
+              </a:cxn>
+              <a:cxn ang="0">
+                <a:pos x="connsiteX3" y="connsiteY3"/>
+              </a:cxn>
+              <a:cxn ang="0">
+                <a:pos x="connsiteX4" y="connsiteY4"/>
+              </a:cxn>
+            </a:cxnLst>
+            <a:rect l="l" t="t" r="r" b="b"/>
+            <a:pathLst>
+              <a:path w="91138" h="91138">
+                <a:moveTo>
+                  <a:pt x="91138" y="45569"/>
+                </a:moveTo>
+                <a:cubicBezTo>
+                  <a:pt x="91138" y="70736"/>
+                  <a:pt x="70736" y="91138"/>
+                  <a:pt x="45569" y="91138"/>
+                </a:cubicBezTo>
+                <a:cubicBezTo>
+                  <a:pt x="20402" y="91138"/>
+                  <a:pt x="0" y="70736"/>
+                  <a:pt x="0" y="45569"/>
+                </a:cubicBezTo>
+                <a:cubicBezTo>
+                  <a:pt x="0" y="20402"/>
+                  <a:pt x="20402" y="0"/>
+                  <a:pt x="45569" y="0"/>
+                </a:cubicBezTo>
+                <a:cubicBezTo>
+                  <a:pt x="70736" y="0"/>
+                  <a:pt x="91138" y="20402"/>
+                  <a:pt x="91138" y="45569"/>
+                </a:cubicBezTo>
+                <a:close/>
+              </a:path>
+            </a:pathLst>
+          </a:custGeom>
+          <a:solidFill>
+            <a:srgbClr val="FFFFFF"/>
+          </a:solidFill>
+          <a:ln w="422" cap="flat">
+            <a:noFill/>
+            <a:prstDash val="solid"/>
+            <a:miter/>
+          </a:ln>
+        </p:spPr>
+        <p:txBody>
+          <a:bodyPr rtlCol="0" anchor="ctr"/>
+          <a:lstStyle/>
+          <a:p>
+            <a:endParaRPr lang="en-US">
+              <a:solidFill>
+                <a:srgbClr val="FFFFFF"/>
+              </a:solidFill>
+            </a:endParaRPr>
+          </a:p>
+        </p:txBody>
+      </p:sp>
+      <p:sp>
+        <p:nvSpPr>
+          <p:cNvPr id="14" name="Graphic 15">
+            <a:extLst>
+              <a:ext uri="{FF2B5EF4-FFF2-40B4-BE49-F238E27FC236}">
+                <a16:creationId xmlns:a16="http://schemas.microsoft.com/office/drawing/2014/main" id="{AEA7509D-F04F-40CB-A0B3-EEF16499CC9F}"/>
+              </a:ext>
+              <a:ext uri="{C183D7F6-B498-43B3-948B-1728B52AA6E4}">
+                <adec:decorative xmlns:adec="http://schemas.microsoft.com/office/drawing/2017/decorative" val="1"/>
+              </a:ext>
+            </a:extLst>
+          </p:cNvPr>
+          <p:cNvSpPr>
+            <a:spLocks noGrp="1" noRot="1" noChangeAspect="1" noMove="1" noResize="1" noEditPoints="1" noAdjustHandles="1" noChangeArrowheads="1" noChangeShapeType="1" noTextEdit="1"/>
+          </p:cNvSpPr>
+          <p:nvPr>
+            <p:extLst>
+              <p:ext uri="{386F3935-93C4-4BCD-93E2-E3B085C9AB24}">
+                <p16:designElem xmlns:p16="http://schemas.microsoft.com/office/powerpoint/2015/main" val="1"/>
+              </p:ext>
+            </p:extLst>
+          </p:nvPr>
+        </p:nvSpPr>
+        <p:spPr>
+          <a:xfrm>
+            <a:off x="6802062" y="3198265"/>
+            <a:ext cx="127713" cy="127713"/>
+          </a:xfrm>
+          <a:custGeom>
+            <a:avLst/>
+            <a:gdLst>
+              <a:gd name="connsiteX0" fmla="*/ 63857 w 127713"/>
+              <a:gd name="connsiteY0" fmla="*/ 18874 h 127713"/>
+              <a:gd name="connsiteX1" fmla="*/ 108839 w 127713"/>
+              <a:gd name="connsiteY1" fmla="*/ 63857 h 127713"/>
+              <a:gd name="connsiteX2" fmla="*/ 63857 w 127713"/>
+              <a:gd name="connsiteY2" fmla="*/ 108839 h 127713"/>
+              <a:gd name="connsiteX3" fmla="*/ 18874 w 127713"/>
+              <a:gd name="connsiteY3" fmla="*/ 63857 h 127713"/>
+              <a:gd name="connsiteX4" fmla="*/ 63857 w 127713"/>
+              <a:gd name="connsiteY4" fmla="*/ 18874 h 127713"/>
+              <a:gd name="connsiteX5" fmla="*/ 63857 w 127713"/>
+              <a:gd name="connsiteY5" fmla="*/ 0 h 127713"/>
+              <a:gd name="connsiteX6" fmla="*/ 0 w 127713"/>
+              <a:gd name="connsiteY6" fmla="*/ 63857 h 127713"/>
+              <a:gd name="connsiteX7" fmla="*/ 63857 w 127713"/>
+              <a:gd name="connsiteY7" fmla="*/ 127713 h 127713"/>
+              <a:gd name="connsiteX8" fmla="*/ 127713 w 127713"/>
+              <a:gd name="connsiteY8" fmla="*/ 63857 h 127713"/>
+              <a:gd name="connsiteX9" fmla="*/ 63857 w 127713"/>
+              <a:gd name="connsiteY9" fmla="*/ 0 h 127713"/>
+            </a:gdLst>
+            <a:ahLst/>
+            <a:cxnLst>
+              <a:cxn ang="0">
+                <a:pos x="connsiteX0" y="connsiteY0"/>
+              </a:cxn>
+              <a:cxn ang="0">
+                <a:pos x="connsiteX1" y="connsiteY1"/>
+              </a:cxn>
+              <a:cxn ang="0">
+                <a:pos x="connsiteX2" y="connsiteY2"/>
+              </a:cxn>
+              <a:cxn ang="0">
+                <a:pos x="connsiteX3" y="connsiteY3"/>
+              </a:cxn>
+              <a:cxn ang="0">
+                <a:pos x="connsiteX4" y="connsiteY4"/>
+              </a:cxn>
+              <a:cxn ang="0">
+                <a:pos x="connsiteX5" y="connsiteY5"/>
+              </a:cxn>
+              <a:cxn ang="0">
+                <a:pos x="connsiteX6" y="connsiteY6"/>
+              </a:cxn>
+              <a:cxn ang="0">
+                <a:pos x="connsiteX7" y="connsiteY7"/>
+              </a:cxn>
+              <a:cxn ang="0">
+                <a:pos x="connsiteX8" y="connsiteY8"/>
+              </a:cxn>
+              <a:cxn ang="0">
+                <a:pos x="connsiteX9" y="connsiteY9"/>
+              </a:cxn>
+            </a:cxnLst>
+            <a:rect l="l" t="t" r="r" b="b"/>
+            <a:pathLst>
+              <a:path w="127713" h="127713">
+                <a:moveTo>
+                  <a:pt x="63857" y="18874"/>
+                </a:moveTo>
+                <a:cubicBezTo>
+                  <a:pt x="88700" y="18874"/>
+                  <a:pt x="108839" y="39013"/>
+                  <a:pt x="108839" y="63857"/>
+                </a:cubicBezTo>
+                <a:cubicBezTo>
+                  <a:pt x="108839" y="88700"/>
+                  <a:pt x="88700" y="108839"/>
+                  <a:pt x="63857" y="108839"/>
+                </a:cubicBezTo>
+                <a:cubicBezTo>
+                  <a:pt x="39013" y="108839"/>
+                  <a:pt x="18874" y="88700"/>
+                  <a:pt x="18874" y="63857"/>
+                </a:cubicBezTo>
+                <a:cubicBezTo>
+                  <a:pt x="18898" y="39023"/>
+                  <a:pt x="39023" y="18898"/>
+                  <a:pt x="63857" y="18874"/>
+                </a:cubicBezTo>
+                <a:moveTo>
+                  <a:pt x="63857" y="0"/>
+                </a:moveTo>
+                <a:cubicBezTo>
+                  <a:pt x="28590" y="0"/>
+                  <a:pt x="0" y="28590"/>
+                  <a:pt x="0" y="63857"/>
+                </a:cubicBezTo>
+                <a:cubicBezTo>
+                  <a:pt x="0" y="99124"/>
+                  <a:pt x="28590" y="127713"/>
+                  <a:pt x="63857" y="127713"/>
+                </a:cubicBezTo>
+                <a:cubicBezTo>
+                  <a:pt x="99124" y="127713"/>
+                  <a:pt x="127713" y="99124"/>
+                  <a:pt x="127713" y="63857"/>
+                </a:cubicBezTo>
+                <a:cubicBezTo>
+                  <a:pt x="127713" y="28590"/>
+                  <a:pt x="99124" y="0"/>
+                  <a:pt x="63857" y="0"/>
+                </a:cubicBezTo>
+                <a:close/>
+              </a:path>
+            </a:pathLst>
+          </a:custGeom>
+          <a:solidFill>
+            <a:srgbClr val="FFFFFF"/>
+          </a:solidFill>
+          <a:ln w="610" cap="flat">
+            <a:noFill/>
+            <a:prstDash val="solid"/>
+            <a:miter/>
+          </a:ln>
+        </p:spPr>
+        <p:txBody>
+          <a:bodyPr rtlCol="0" anchor="ctr"/>
+          <a:lstStyle/>
+          <a:p>
+            <a:endParaRPr lang="en-US">
+              <a:solidFill>
+                <a:srgbClr val="FFFFFF"/>
+              </a:solidFill>
+            </a:endParaRPr>
+          </a:p>
+        </p:txBody>
+      </p:sp>
+      <p:cxnSp>
+        <p:nvCxnSpPr>
+          <p:cNvPr id="16" name="Straight Connector 15">
+            <a:extLst>
+              <a:ext uri="{FF2B5EF4-FFF2-40B4-BE49-F238E27FC236}">
+                <a16:creationId xmlns:a16="http://schemas.microsoft.com/office/drawing/2014/main" id="{56020367-4FD5-4596-8E10-C5F095CD8DBF}"/>
+              </a:ext>
+              <a:ext uri="{C183D7F6-B498-43B3-948B-1728B52AA6E4}">
+                <adec:decorative xmlns:adec="http://schemas.microsoft.com/office/drawing/2017/decorative" val="1"/>
+              </a:ext>
+            </a:extLst>
+          </p:cNvPr>
+          <p:cNvCxnSpPr>
+            <a:cxnSpLocks noGrp="1" noRot="1" noChangeAspect="1" noMove="1" noResize="1" noEditPoints="1" noAdjustHandles="1" noChangeArrowheads="1" noChangeShapeType="1"/>
+          </p:cNvCxnSpPr>
+          <p:nvPr>
+            <p:extLst>
+              <p:ext uri="{386F3935-93C4-4BCD-93E2-E3B085C9AB24}">
+                <p16:designElem xmlns:p16="http://schemas.microsoft.com/office/powerpoint/2015/main" val="1"/>
+              </p:ext>
+            </p:extLst>
+          </p:nvPr>
+        </p:nvCxnSpPr>
+        <p:spPr>
+          <a:xfrm>
+            <a:off x="1301262" y="3496322"/>
+            <a:ext cx="0" cy="3352800"/>
+          </a:xfrm>
+          <a:prstGeom prst="line">
+            <a:avLst/>
+          </a:prstGeom>
+          <a:ln w="25400" cap="sq">
+            <a:solidFill>
+              <a:srgbClr val="FFFFFF"/>
+            </a:solidFill>
+            <a:bevel/>
+          </a:ln>
+        </p:spPr>
+        <p:style>
+          <a:lnRef idx="1">
+            <a:schemeClr val="accent1"/>
+          </a:lnRef>
+          <a:fillRef idx="0">
+            <a:schemeClr val="accent1"/>
+          </a:fillRef>
+          <a:effectRef idx="0">
+            <a:schemeClr val="accent1"/>
+          </a:effectRef>
+          <a:fontRef idx="minor">
+            <a:schemeClr val="tx1"/>
+          </a:fontRef>
+        </p:style>
+      </p:cxnSp>
     </p:spTree>
     <p:extLst>
       <p:ext uri="{BB962C8B-B14F-4D97-AF65-F5344CB8AC3E}">
@@ -3386,6 +4078,1098 @@
 </file>
 
 <file path=ppt/slides/slide2.xml><?xml version="1.0" encoding="utf-8"?>
+<p:sld xmlns:a="http://schemas.openxmlformats.org/drawingml/2006/main" xmlns:r="http://schemas.openxmlformats.org/officeDocument/2006/relationships" xmlns:p="http://schemas.openxmlformats.org/presentationml/2006/main">
+  <p:cSld>
+    <p:spTree>
+      <p:nvGrpSpPr>
+        <p:cNvPr id="1" name=""/>
+        <p:cNvGrpSpPr/>
+        <p:nvPr/>
+      </p:nvGrpSpPr>
+      <p:grpSpPr>
+        <a:xfrm>
+          <a:off x="0" y="0"/>
+          <a:ext cx="0" cy="0"/>
+          <a:chOff x="0" y="0"/>
+          <a:chExt cx="0" cy="0"/>
+        </a:xfrm>
+      </p:grpSpPr>
+      <p:sp>
+        <p:nvSpPr>
+          <p:cNvPr id="2" name="Title 1">
+            <a:extLst>
+              <a:ext uri="{FF2B5EF4-FFF2-40B4-BE49-F238E27FC236}">
+                <a16:creationId xmlns:a16="http://schemas.microsoft.com/office/drawing/2014/main" id="{91BB5744-CB66-6E4B-A80C-2886ADA43F12}"/>
+              </a:ext>
+            </a:extLst>
+          </p:cNvPr>
+          <p:cNvSpPr>
+            <a:spLocks noGrp="1"/>
+          </p:cNvSpPr>
+          <p:nvPr>
+            <p:ph type="title"/>
+          </p:nvPr>
+        </p:nvSpPr>
+        <p:spPr/>
+        <p:txBody>
+          <a:bodyPr/>
+          <a:lstStyle/>
+          <a:p>
+            <a:r>
+              <a:rPr lang="en-US" dirty="0"/>
+              <a:t>Class</a:t>
+            </a:r>
+          </a:p>
+        </p:txBody>
+      </p:sp>
+      <p:sp>
+        <p:nvSpPr>
+          <p:cNvPr id="3" name="Content Placeholder 2">
+            <a:extLst>
+              <a:ext uri="{FF2B5EF4-FFF2-40B4-BE49-F238E27FC236}">
+                <a16:creationId xmlns:a16="http://schemas.microsoft.com/office/drawing/2014/main" id="{CBFFE6FD-E872-8A4B-B1EF-B12C907CAAC4}"/>
+              </a:ext>
+            </a:extLst>
+          </p:cNvPr>
+          <p:cNvSpPr>
+            <a:spLocks noGrp="1"/>
+          </p:cNvSpPr>
+          <p:nvPr>
+            <p:ph idx="1"/>
+          </p:nvPr>
+        </p:nvSpPr>
+        <p:spPr/>
+        <p:txBody>
+          <a:bodyPr/>
+          <a:lstStyle/>
+          <a:p>
+            <a:r>
+              <a:rPr lang="en-US" dirty="0"/>
+              <a:t>Can have </a:t>
+            </a:r>
+            <a:r>
+              <a:rPr lang="en-US" b="1" dirty="0">
+                <a:solidFill>
+                  <a:srgbClr val="0070C0"/>
+                </a:solidFill>
+              </a:rPr>
+              <a:t>non-abstract</a:t>
+            </a:r>
+            <a:r>
+              <a:rPr lang="en-US" b="1" dirty="0">
+                <a:solidFill>
+                  <a:srgbClr val="002060"/>
+                </a:solidFill>
+              </a:rPr>
+              <a:t> </a:t>
+            </a:r>
+            <a:r>
+              <a:rPr lang="en-US" dirty="0"/>
+              <a:t>methods</a:t>
+            </a:r>
+            <a:r>
+              <a:rPr lang="en-US" b="1" dirty="0">
+                <a:solidFill>
+                  <a:srgbClr val="002060"/>
+                </a:solidFill>
+              </a:rPr>
+              <a:t> </a:t>
+            </a:r>
+            <a:r>
+              <a:rPr lang="en-US" dirty="0"/>
+              <a:t>(methods that are implemented)</a:t>
+            </a:r>
+          </a:p>
+        </p:txBody>
+      </p:sp>
+    </p:spTree>
+    <p:extLst>
+      <p:ext uri="{BB962C8B-B14F-4D97-AF65-F5344CB8AC3E}">
+        <p14:creationId xmlns:p14="http://schemas.microsoft.com/office/powerpoint/2010/main" val="4252166486"/>
+      </p:ext>
+    </p:extLst>
+  </p:cSld>
+  <p:clrMapOvr>
+    <a:masterClrMapping/>
+  </p:clrMapOvr>
+</p:sld>
+</file>
+
+<file path=ppt/slides/slide3.xml><?xml version="1.0" encoding="utf-8"?>
+<p:sld xmlns:a="http://schemas.openxmlformats.org/drawingml/2006/main" xmlns:r="http://schemas.openxmlformats.org/officeDocument/2006/relationships" xmlns:p="http://schemas.openxmlformats.org/presentationml/2006/main">
+  <p:cSld>
+    <p:spTree>
+      <p:nvGrpSpPr>
+        <p:cNvPr id="1" name=""/>
+        <p:cNvGrpSpPr/>
+        <p:nvPr/>
+      </p:nvGrpSpPr>
+      <p:grpSpPr>
+        <a:xfrm>
+          <a:off x="0" y="0"/>
+          <a:ext cx="0" cy="0"/>
+          <a:chOff x="0" y="0"/>
+          <a:chExt cx="0" cy="0"/>
+        </a:xfrm>
+      </p:grpSpPr>
+      <p:sp>
+        <p:nvSpPr>
+          <p:cNvPr id="2" name="Title 1">
+            <a:extLst>
+              <a:ext uri="{FF2B5EF4-FFF2-40B4-BE49-F238E27FC236}">
+                <a16:creationId xmlns:a16="http://schemas.microsoft.com/office/drawing/2014/main" id="{91BB5744-CB66-6E4B-A80C-2886ADA43F12}"/>
+              </a:ext>
+            </a:extLst>
+          </p:cNvPr>
+          <p:cNvSpPr>
+            <a:spLocks noGrp="1"/>
+          </p:cNvSpPr>
+          <p:nvPr>
+            <p:ph type="title"/>
+          </p:nvPr>
+        </p:nvSpPr>
+        <p:spPr/>
+        <p:txBody>
+          <a:bodyPr/>
+          <a:lstStyle/>
+          <a:p>
+            <a:r>
+              <a:rPr lang="en-US" dirty="0"/>
+              <a:t>Interface</a:t>
+            </a:r>
+          </a:p>
+        </p:txBody>
+      </p:sp>
+      <p:sp>
+        <p:nvSpPr>
+          <p:cNvPr id="3" name="Content Placeholder 2">
+            <a:extLst>
+              <a:ext uri="{FF2B5EF4-FFF2-40B4-BE49-F238E27FC236}">
+                <a16:creationId xmlns:a16="http://schemas.microsoft.com/office/drawing/2014/main" id="{CBFFE6FD-E872-8A4B-B1EF-B12C907CAAC4}"/>
+              </a:ext>
+            </a:extLst>
+          </p:cNvPr>
+          <p:cNvSpPr>
+            <a:spLocks noGrp="1"/>
+          </p:cNvSpPr>
+          <p:nvPr>
+            <p:ph idx="1"/>
+          </p:nvPr>
+        </p:nvSpPr>
+        <p:spPr/>
+        <p:txBody>
+          <a:bodyPr/>
+          <a:lstStyle/>
+          <a:p>
+            <a:r>
+              <a:rPr lang="en-US" dirty="0"/>
+              <a:t>Can </a:t>
+            </a:r>
+            <a:r>
+              <a:rPr lang="en-US" b="1" dirty="0"/>
+              <a:t>only</a:t>
+            </a:r>
+            <a:r>
+              <a:rPr lang="en-US" dirty="0"/>
+              <a:t> have </a:t>
+            </a:r>
+            <a:r>
+              <a:rPr lang="en-US" b="1" dirty="0">
+                <a:solidFill>
+                  <a:schemeClr val="accent2">
+                    <a:lumMod val="75000"/>
+                  </a:schemeClr>
+                </a:solidFill>
+              </a:rPr>
+              <a:t>abstract</a:t>
+            </a:r>
+            <a:r>
+              <a:rPr lang="en-US" dirty="0"/>
+              <a:t> methods. (methods that are defined but unimplemented.)</a:t>
+            </a:r>
+          </a:p>
+        </p:txBody>
+      </p:sp>
+    </p:spTree>
+    <p:extLst>
+      <p:ext uri="{BB962C8B-B14F-4D97-AF65-F5344CB8AC3E}">
+        <p14:creationId xmlns:p14="http://schemas.microsoft.com/office/powerpoint/2010/main" val="1026305020"/>
+      </p:ext>
+    </p:extLst>
+  </p:cSld>
+  <p:clrMapOvr>
+    <a:masterClrMapping/>
+  </p:clrMapOvr>
+</p:sld>
+</file>
+
+<file path=ppt/slides/slide4.xml><?xml version="1.0" encoding="utf-8"?>
+<p:sld xmlns:a="http://schemas.openxmlformats.org/drawingml/2006/main" xmlns:r="http://schemas.openxmlformats.org/officeDocument/2006/relationships" xmlns:p="http://schemas.openxmlformats.org/presentationml/2006/main">
+  <p:cSld>
+    <p:spTree>
+      <p:nvGrpSpPr>
+        <p:cNvPr id="1" name=""/>
+        <p:cNvGrpSpPr/>
+        <p:nvPr/>
+      </p:nvGrpSpPr>
+      <p:grpSpPr>
+        <a:xfrm>
+          <a:off x="0" y="0"/>
+          <a:ext cx="0" cy="0"/>
+          <a:chOff x="0" y="0"/>
+          <a:chExt cx="0" cy="0"/>
+        </a:xfrm>
+      </p:grpSpPr>
+      <p:sp>
+        <p:nvSpPr>
+          <p:cNvPr id="2" name="Title 1">
+            <a:extLst>
+              <a:ext uri="{FF2B5EF4-FFF2-40B4-BE49-F238E27FC236}">
+                <a16:creationId xmlns:a16="http://schemas.microsoft.com/office/drawing/2014/main" id="{91BB5744-CB66-6E4B-A80C-2886ADA43F12}"/>
+              </a:ext>
+            </a:extLst>
+          </p:cNvPr>
+          <p:cNvSpPr>
+            <a:spLocks noGrp="1"/>
+          </p:cNvSpPr>
+          <p:nvPr>
+            <p:ph type="title"/>
+          </p:nvPr>
+        </p:nvSpPr>
+        <p:spPr/>
+        <p:txBody>
+          <a:bodyPr/>
+          <a:lstStyle/>
+          <a:p>
+            <a:r>
+              <a:rPr lang="en-US" dirty="0"/>
+              <a:t>Abstract classes</a:t>
+            </a:r>
+          </a:p>
+        </p:txBody>
+      </p:sp>
+      <p:sp>
+        <p:nvSpPr>
+          <p:cNvPr id="3" name="Content Placeholder 2">
+            <a:extLst>
+              <a:ext uri="{FF2B5EF4-FFF2-40B4-BE49-F238E27FC236}">
+                <a16:creationId xmlns:a16="http://schemas.microsoft.com/office/drawing/2014/main" id="{CBFFE6FD-E872-8A4B-B1EF-B12C907CAAC4}"/>
+              </a:ext>
+            </a:extLst>
+          </p:cNvPr>
+          <p:cNvSpPr>
+            <a:spLocks noGrp="1"/>
+          </p:cNvSpPr>
+          <p:nvPr>
+            <p:ph idx="1"/>
+          </p:nvPr>
+        </p:nvSpPr>
+        <p:spPr/>
+        <p:txBody>
+          <a:bodyPr/>
+          <a:lstStyle/>
+          <a:p>
+            <a:r>
+              <a:rPr lang="en-US" dirty="0"/>
+              <a:t>Can have both, </a:t>
+            </a:r>
+            <a:r>
+              <a:rPr lang="en-US" b="1" dirty="0">
+                <a:solidFill>
+                  <a:schemeClr val="accent5">
+                    <a:lumMod val="75000"/>
+                  </a:schemeClr>
+                </a:solidFill>
+              </a:rPr>
+              <a:t>non-abstract</a:t>
+            </a:r>
+            <a:r>
+              <a:rPr lang="en-US" dirty="0"/>
+              <a:t> &amp; </a:t>
+            </a:r>
+            <a:r>
+              <a:rPr lang="en-US" b="1" dirty="0">
+                <a:solidFill>
+                  <a:schemeClr val="accent2">
+                    <a:lumMod val="75000"/>
+                  </a:schemeClr>
+                </a:solidFill>
+              </a:rPr>
+              <a:t>abstract</a:t>
+            </a:r>
+            <a:r>
+              <a:rPr lang="en-US" dirty="0"/>
+              <a:t> methods.</a:t>
+            </a:r>
+          </a:p>
+        </p:txBody>
+      </p:sp>
+    </p:spTree>
+    <p:extLst>
+      <p:ext uri="{BB962C8B-B14F-4D97-AF65-F5344CB8AC3E}">
+        <p14:creationId xmlns:p14="http://schemas.microsoft.com/office/powerpoint/2010/main" val="1648261707"/>
+      </p:ext>
+    </p:extLst>
+  </p:cSld>
+  <p:clrMapOvr>
+    <a:masterClrMapping/>
+  </p:clrMapOvr>
+</p:sld>
+</file>
+
+<file path=ppt/slides/slide5.xml><?xml version="1.0" encoding="utf-8"?>
+<p:sld xmlns:a="http://schemas.openxmlformats.org/drawingml/2006/main" xmlns:r="http://schemas.openxmlformats.org/officeDocument/2006/relationships" xmlns:p="http://schemas.openxmlformats.org/presentationml/2006/main">
+  <p:cSld>
+    <p:spTree>
+      <p:nvGrpSpPr>
+        <p:cNvPr id="1" name=""/>
+        <p:cNvGrpSpPr/>
+        <p:nvPr/>
+      </p:nvGrpSpPr>
+      <p:grpSpPr>
+        <a:xfrm>
+          <a:off x="0" y="0"/>
+          <a:ext cx="0" cy="0"/>
+          <a:chOff x="0" y="0"/>
+          <a:chExt cx="0" cy="0"/>
+        </a:xfrm>
+      </p:grpSpPr>
+      <p:sp>
+        <p:nvSpPr>
+          <p:cNvPr id="2" name="Title 1">
+            <a:extLst>
+              <a:ext uri="{FF2B5EF4-FFF2-40B4-BE49-F238E27FC236}">
+                <a16:creationId xmlns:a16="http://schemas.microsoft.com/office/drawing/2014/main" id="{97C33673-A49A-0B43-86EA-E4E63C28FBDF}"/>
+              </a:ext>
+            </a:extLst>
+          </p:cNvPr>
+          <p:cNvSpPr>
+            <a:spLocks noGrp="1"/>
+          </p:cNvSpPr>
+          <p:nvPr>
+            <p:ph type="title"/>
+          </p:nvPr>
+        </p:nvSpPr>
+        <p:spPr/>
+        <p:txBody>
+          <a:bodyPr/>
+          <a:lstStyle/>
+          <a:p>
+            <a:r>
+              <a:rPr lang="en-US" dirty="0"/>
+              <a:t>Rules</a:t>
+            </a:r>
+          </a:p>
+        </p:txBody>
+      </p:sp>
+      <p:sp>
+        <p:nvSpPr>
+          <p:cNvPr id="3" name="Content Placeholder 2">
+            <a:extLst>
+              <a:ext uri="{FF2B5EF4-FFF2-40B4-BE49-F238E27FC236}">
+                <a16:creationId xmlns:a16="http://schemas.microsoft.com/office/drawing/2014/main" id="{F0953BCE-3C94-D246-9256-55D63E2AE135}"/>
+              </a:ext>
+            </a:extLst>
+          </p:cNvPr>
+          <p:cNvSpPr>
+            <a:spLocks noGrp="1"/>
+          </p:cNvSpPr>
+          <p:nvPr>
+            <p:ph idx="1"/>
+          </p:nvPr>
+        </p:nvSpPr>
+        <p:spPr/>
+        <p:txBody>
+          <a:bodyPr/>
+          <a:lstStyle/>
+          <a:p>
+            <a:r>
+              <a:rPr lang="en-US" dirty="0"/>
+              <a:t>Any class that inherits from an Abstract Class or an Interface </a:t>
+            </a:r>
+            <a:r>
+              <a:rPr lang="en-US" b="1" dirty="0"/>
+              <a:t>MUST</a:t>
+            </a:r>
+            <a:r>
+              <a:rPr lang="en-US" dirty="0"/>
+              <a:t> implement their abstract methods. </a:t>
+            </a:r>
+          </a:p>
+          <a:p>
+            <a:r>
+              <a:rPr lang="en-US" dirty="0"/>
+              <a:t>A class can extend at most 1 abstract class</a:t>
+            </a:r>
+          </a:p>
+          <a:p>
+            <a:r>
+              <a:rPr lang="en-US" dirty="0"/>
+              <a:t>A class has no limit on the number of interfaces it can implement</a:t>
+            </a:r>
+          </a:p>
+          <a:p>
+            <a:r>
+              <a:rPr lang="en-US" dirty="0"/>
+              <a:t>Can’t create an instance of an Interface. (</a:t>
+            </a:r>
+            <a:r>
+              <a:rPr lang="en-US" dirty="0" err="1"/>
+              <a:t>i.e</a:t>
+            </a:r>
+            <a:r>
+              <a:rPr lang="en-US" dirty="0"/>
+              <a:t> creating an object from an interface. </a:t>
+            </a:r>
+          </a:p>
+          <a:p>
+            <a:r>
+              <a:rPr lang="en-US" dirty="0"/>
+              <a:t>By default, all methods in interfaces are public abstract.</a:t>
+            </a:r>
+          </a:p>
+          <a:p>
+            <a:r>
+              <a:rPr lang="en-US" dirty="0"/>
+              <a:t>By default, all variables in interfaces are public, final, and static.</a:t>
+            </a:r>
+          </a:p>
+        </p:txBody>
+      </p:sp>
+    </p:spTree>
+    <p:extLst>
+      <p:ext uri="{BB962C8B-B14F-4D97-AF65-F5344CB8AC3E}">
+        <p14:creationId xmlns:p14="http://schemas.microsoft.com/office/powerpoint/2010/main" val="3686599698"/>
+      </p:ext>
+    </p:extLst>
+  </p:cSld>
+  <p:clrMapOvr>
+    <a:masterClrMapping/>
+  </p:clrMapOvr>
+</p:sld>
+</file>
+
+<file path=ppt/slides/slide6.xml><?xml version="1.0" encoding="utf-8"?>
+<p:sld xmlns:a="http://schemas.openxmlformats.org/drawingml/2006/main" xmlns:r="http://schemas.openxmlformats.org/officeDocument/2006/relationships" xmlns:p="http://schemas.openxmlformats.org/presentationml/2006/main">
+  <p:cSld>
+    <p:bg>
+      <p:bgPr>
+        <a:solidFill>
+          <a:schemeClr val="bg1"/>
+        </a:solidFill>
+        <a:effectLst/>
+      </p:bgPr>
+    </p:bg>
+    <p:spTree>
+      <p:nvGrpSpPr>
+        <p:cNvPr id="1" name=""/>
+        <p:cNvGrpSpPr/>
+        <p:nvPr/>
+      </p:nvGrpSpPr>
+      <p:grpSpPr>
+        <a:xfrm>
+          <a:off x="0" y="0"/>
+          <a:ext cx="0" cy="0"/>
+          <a:chOff x="0" y="0"/>
+          <a:chExt cx="0" cy="0"/>
+        </a:xfrm>
+      </p:grpSpPr>
+      <p:sp>
+        <p:nvSpPr>
+          <p:cNvPr id="21" name="Rectangle 9">
+            <a:extLst>
+              <a:ext uri="{FF2B5EF4-FFF2-40B4-BE49-F238E27FC236}">
+                <a16:creationId xmlns:a16="http://schemas.microsoft.com/office/drawing/2014/main" id="{F3060C83-F051-4F0E-ABAD-AA0DFC48B218}"/>
+              </a:ext>
+              <a:ext uri="{C183D7F6-B498-43B3-948B-1728B52AA6E4}">
+                <adec:decorative xmlns:adec="http://schemas.microsoft.com/office/drawing/2017/decorative" val="1"/>
+              </a:ext>
+            </a:extLst>
+          </p:cNvPr>
+          <p:cNvSpPr>
+            <a:spLocks noGrp="1" noRot="1" noChangeAspect="1" noMove="1" noResize="1" noEditPoints="1" noAdjustHandles="1" noChangeArrowheads="1" noChangeShapeType="1" noTextEdit="1"/>
+          </p:cNvSpPr>
+          <p:nvPr>
+            <p:extLst>
+              <p:ext uri="{386F3935-93C4-4BCD-93E2-E3B085C9AB24}">
+                <p16:designElem xmlns:p16="http://schemas.microsoft.com/office/powerpoint/2015/main" val="1"/>
+              </p:ext>
+            </p:extLst>
+          </p:nvPr>
+        </p:nvSpPr>
+        <p:spPr>
+          <a:xfrm>
+            <a:off x="0" y="0"/>
+            <a:ext cx="12192000" cy="6858000"/>
+          </a:xfrm>
+          <a:prstGeom prst="rect">
+            <a:avLst/>
+          </a:prstGeom>
+          <a:solidFill>
+            <a:schemeClr val="bg1"/>
+          </a:solidFill>
+          <a:ln>
+            <a:noFill/>
+          </a:ln>
+        </p:spPr>
+        <p:style>
+          <a:lnRef idx="2">
+            <a:schemeClr val="accent1">
+              <a:shade val="50000"/>
+            </a:schemeClr>
+          </a:lnRef>
+          <a:fillRef idx="1">
+            <a:schemeClr val="accent1"/>
+          </a:fillRef>
+          <a:effectRef idx="0">
+            <a:schemeClr val="accent1"/>
+          </a:effectRef>
+          <a:fontRef idx="minor">
+            <a:schemeClr val="lt1"/>
+          </a:fontRef>
+        </p:style>
+        <p:txBody>
+          <a:bodyPr rtlCol="0" anchor="ctr"/>
+          <a:lstStyle/>
+          <a:p>
+            <a:pPr algn="ctr"/>
+            <a:endParaRPr lang="en-US" dirty="0"/>
+          </a:p>
+        </p:txBody>
+      </p:sp>
+      <p:sp>
+        <p:nvSpPr>
+          <p:cNvPr id="23" name="Freeform: Shape 11">
+            <a:extLst>
+              <a:ext uri="{FF2B5EF4-FFF2-40B4-BE49-F238E27FC236}">
+                <a16:creationId xmlns:a16="http://schemas.microsoft.com/office/drawing/2014/main" id="{83C98ABE-055B-441F-B07E-44F97F083C39}"/>
+              </a:ext>
+              <a:ext uri="{C183D7F6-B498-43B3-948B-1728B52AA6E4}">
+                <adec:decorative xmlns:adec="http://schemas.microsoft.com/office/drawing/2017/decorative" val="1"/>
+              </a:ext>
+            </a:extLst>
+          </p:cNvPr>
+          <p:cNvSpPr>
+            <a:spLocks noGrp="1" noRot="1" noChangeAspect="1" noMove="1" noResize="1" noEditPoints="1" noAdjustHandles="1" noChangeArrowheads="1" noChangeShapeType="1" noTextEdit="1"/>
+          </p:cNvSpPr>
+          <p:nvPr>
+            <p:extLst>
+              <p:ext uri="{386F3935-93C4-4BCD-93E2-E3B085C9AB24}">
+                <p16:designElem xmlns:p16="http://schemas.microsoft.com/office/powerpoint/2015/main" val="1"/>
+              </p:ext>
+            </p:extLst>
+          </p:nvPr>
+        </p:nvSpPr>
+        <p:spPr>
+          <a:xfrm rot="18900000" flipH="1">
+            <a:off x="-376156" y="-253670"/>
+            <a:ext cx="1827638" cy="1376989"/>
+          </a:xfrm>
+          <a:custGeom>
+            <a:avLst/>
+            <a:gdLst>
+              <a:gd name="connsiteX0" fmla="*/ 0 w 1827638"/>
+              <a:gd name="connsiteY0" fmla="*/ 987379 h 1376989"/>
+              <a:gd name="connsiteX1" fmla="*/ 987379 w 1827638"/>
+              <a:gd name="connsiteY1" fmla="*/ 0 h 1376989"/>
+              <a:gd name="connsiteX2" fmla="*/ 1827638 w 1827638"/>
+              <a:gd name="connsiteY2" fmla="*/ 840260 h 1376989"/>
+              <a:gd name="connsiteX3" fmla="*/ 1827638 w 1827638"/>
+              <a:gd name="connsiteY3" fmla="*/ 1376989 h 1376989"/>
+              <a:gd name="connsiteX4" fmla="*/ 0 w 1827638"/>
+              <a:gd name="connsiteY4" fmla="*/ 1376989 h 1376989"/>
+            </a:gdLst>
+            <a:ahLst/>
+            <a:cxnLst>
+              <a:cxn ang="0">
+                <a:pos x="connsiteX0" y="connsiteY0"/>
+              </a:cxn>
+              <a:cxn ang="0">
+                <a:pos x="connsiteX1" y="connsiteY1"/>
+              </a:cxn>
+              <a:cxn ang="0">
+                <a:pos x="connsiteX2" y="connsiteY2"/>
+              </a:cxn>
+              <a:cxn ang="0">
+                <a:pos x="connsiteX3" y="connsiteY3"/>
+              </a:cxn>
+              <a:cxn ang="0">
+                <a:pos x="connsiteX4" y="connsiteY4"/>
+              </a:cxn>
+            </a:cxnLst>
+            <a:rect l="l" t="t" r="r" b="b"/>
+            <a:pathLst>
+              <a:path w="1827638" h="1376989">
+                <a:moveTo>
+                  <a:pt x="0" y="987379"/>
+                </a:moveTo>
+                <a:lnTo>
+                  <a:pt x="987379" y="0"/>
+                </a:lnTo>
+                <a:lnTo>
+                  <a:pt x="1827638" y="840260"/>
+                </a:lnTo>
+                <a:lnTo>
+                  <a:pt x="1827638" y="1376989"/>
+                </a:lnTo>
+                <a:lnTo>
+                  <a:pt x="0" y="1376989"/>
+                </a:lnTo>
+                <a:close/>
+              </a:path>
+            </a:pathLst>
+          </a:custGeom>
+          <a:solidFill>
+            <a:schemeClr val="accent1">
+              <a:alpha val="30000"/>
+            </a:schemeClr>
+          </a:solidFill>
+          <a:ln>
+            <a:noFill/>
+          </a:ln>
+        </p:spPr>
+        <p:style>
+          <a:lnRef idx="2">
+            <a:schemeClr val="accent1">
+              <a:shade val="50000"/>
+            </a:schemeClr>
+          </a:lnRef>
+          <a:fillRef idx="1">
+            <a:schemeClr val="accent1"/>
+          </a:fillRef>
+          <a:effectRef idx="0">
+            <a:schemeClr val="accent1"/>
+          </a:effectRef>
+          <a:fontRef idx="minor">
+            <a:schemeClr val="lt1"/>
+          </a:fontRef>
+        </p:style>
+        <p:txBody>
+          <a:bodyPr rtlCol="0" anchor="ctr"/>
+          <a:lstStyle/>
+          <a:p>
+            <a:pPr algn="ctr"/>
+            <a:endParaRPr lang="en-US" dirty="0"/>
+          </a:p>
+        </p:txBody>
+      </p:sp>
+      <p:sp>
+        <p:nvSpPr>
+          <p:cNvPr id="24" name="Rectangle 13">
+            <a:extLst>
+              <a:ext uri="{FF2B5EF4-FFF2-40B4-BE49-F238E27FC236}">
+                <a16:creationId xmlns:a16="http://schemas.microsoft.com/office/drawing/2014/main" id="{29FDB030-9B49-4CED-8CCD-4D99382388AC}"/>
+              </a:ext>
+              <a:ext uri="{C183D7F6-B498-43B3-948B-1728B52AA6E4}">
+                <adec:decorative xmlns:adec="http://schemas.microsoft.com/office/drawing/2017/decorative" val="1"/>
+              </a:ext>
+            </a:extLst>
+          </p:cNvPr>
+          <p:cNvSpPr>
+            <a:spLocks noGrp="1" noRot="1" noChangeAspect="1" noMove="1" noResize="1" noEditPoints="1" noAdjustHandles="1" noChangeArrowheads="1" noChangeShapeType="1" noTextEdit="1"/>
+          </p:cNvSpPr>
+          <p:nvPr>
+            <p:extLst>
+              <p:ext uri="{386F3935-93C4-4BCD-93E2-E3B085C9AB24}">
+                <p16:designElem xmlns:p16="http://schemas.microsoft.com/office/powerpoint/2015/main" val="1"/>
+              </p:ext>
+            </p:extLst>
+          </p:nvPr>
+        </p:nvSpPr>
+        <p:spPr>
+          <a:xfrm rot="18900000" flipH="1">
+            <a:off x="891641" y="422146"/>
+            <a:ext cx="645368" cy="645368"/>
+          </a:xfrm>
+          <a:prstGeom prst="rect">
+            <a:avLst/>
+          </a:prstGeom>
+          <a:solidFill>
+            <a:schemeClr val="accent1">
+              <a:alpha val="30000"/>
+            </a:schemeClr>
+          </a:solidFill>
+          <a:ln>
+            <a:noFill/>
+          </a:ln>
+        </p:spPr>
+        <p:style>
+          <a:lnRef idx="2">
+            <a:schemeClr val="accent1">
+              <a:shade val="50000"/>
+            </a:schemeClr>
+          </a:lnRef>
+          <a:fillRef idx="1">
+            <a:schemeClr val="accent1"/>
+          </a:fillRef>
+          <a:effectRef idx="0">
+            <a:schemeClr val="accent1"/>
+          </a:effectRef>
+          <a:fontRef idx="minor">
+            <a:schemeClr val="lt1"/>
+          </a:fontRef>
+        </p:style>
+        <p:txBody>
+          <a:bodyPr rtlCol="0" anchor="ctr"/>
+          <a:lstStyle/>
+          <a:p>
+            <a:pPr algn="ctr"/>
+            <a:endParaRPr lang="en-US"/>
+          </a:p>
+        </p:txBody>
+      </p:sp>
+      <p:sp>
+        <p:nvSpPr>
+          <p:cNvPr id="25" name="Rectangle 15">
+            <a:extLst>
+              <a:ext uri="{FF2B5EF4-FFF2-40B4-BE49-F238E27FC236}">
+                <a16:creationId xmlns:a16="http://schemas.microsoft.com/office/drawing/2014/main" id="{3783CA14-24A1-485C-8B30-D6A5D87987AD}"/>
+              </a:ext>
+              <a:ext uri="{C183D7F6-B498-43B3-948B-1728B52AA6E4}">
+                <adec:decorative xmlns:adec="http://schemas.microsoft.com/office/drawing/2017/decorative" val="1"/>
+              </a:ext>
+            </a:extLst>
+          </p:cNvPr>
+          <p:cNvSpPr>
+            <a:spLocks noGrp="1" noRot="1" noChangeAspect="1" noMove="1" noResize="1" noEditPoints="1" noAdjustHandles="1" noChangeArrowheads="1" noChangeShapeType="1" noTextEdit="1"/>
+          </p:cNvSpPr>
+          <p:nvPr>
+            <p:extLst>
+              <p:ext uri="{386F3935-93C4-4BCD-93E2-E3B085C9AB24}">
+                <p16:designElem xmlns:p16="http://schemas.microsoft.com/office/powerpoint/2015/main" val="1"/>
+              </p:ext>
+            </p:extLst>
+          </p:nvPr>
+        </p:nvSpPr>
+        <p:spPr>
+          <a:xfrm rot="18900000" flipH="1">
+            <a:off x="10043482" y="655140"/>
+            <a:ext cx="687472" cy="687472"/>
+          </a:xfrm>
+          <a:prstGeom prst="rect">
+            <a:avLst/>
+          </a:prstGeom>
+          <a:solidFill>
+            <a:schemeClr val="accent4">
+              <a:alpha val="30000"/>
+            </a:schemeClr>
+          </a:solidFill>
+          <a:ln>
+            <a:noFill/>
+          </a:ln>
+        </p:spPr>
+        <p:style>
+          <a:lnRef idx="2">
+            <a:schemeClr val="accent1">
+              <a:shade val="50000"/>
+            </a:schemeClr>
+          </a:lnRef>
+          <a:fillRef idx="1">
+            <a:schemeClr val="accent1"/>
+          </a:fillRef>
+          <a:effectRef idx="0">
+            <a:schemeClr val="accent1"/>
+          </a:effectRef>
+          <a:fontRef idx="minor">
+            <a:schemeClr val="lt1"/>
+          </a:fontRef>
+        </p:style>
+        <p:txBody>
+          <a:bodyPr rtlCol="0" anchor="ctr"/>
+          <a:lstStyle/>
+          <a:p>
+            <a:pPr algn="ctr"/>
+            <a:endParaRPr lang="en-US"/>
+          </a:p>
+        </p:txBody>
+      </p:sp>
+      <p:sp>
+        <p:nvSpPr>
+          <p:cNvPr id="26" name="Freeform: Shape 17">
+            <a:extLst>
+              <a:ext uri="{FF2B5EF4-FFF2-40B4-BE49-F238E27FC236}">
+                <a16:creationId xmlns:a16="http://schemas.microsoft.com/office/drawing/2014/main" id="{9A97C86A-04D6-40F7-AE84-31AB43E6A846}"/>
+              </a:ext>
+              <a:ext uri="{C183D7F6-B498-43B3-948B-1728B52AA6E4}">
+                <adec:decorative xmlns:adec="http://schemas.microsoft.com/office/drawing/2017/decorative" val="1"/>
+              </a:ext>
+            </a:extLst>
+          </p:cNvPr>
+          <p:cNvSpPr>
+            <a:spLocks noGrp="1" noRot="1" noChangeAspect="1" noMove="1" noResize="1" noEditPoints="1" noAdjustHandles="1" noChangeArrowheads="1" noChangeShapeType="1" noTextEdit="1"/>
+          </p:cNvSpPr>
+          <p:nvPr>
+            <p:extLst>
+              <p:ext uri="{386F3935-93C4-4BCD-93E2-E3B085C9AB24}">
+                <p16:designElem xmlns:p16="http://schemas.microsoft.com/office/powerpoint/2015/main" val="1"/>
+              </p:ext>
+            </p:extLst>
+          </p:nvPr>
+        </p:nvSpPr>
+        <p:spPr>
+          <a:xfrm rot="10800000" flipH="1">
+            <a:off x="9356643" y="0"/>
+            <a:ext cx="2835357" cy="1480837"/>
+          </a:xfrm>
+          <a:custGeom>
+            <a:avLst/>
+            <a:gdLst>
+              <a:gd name="connsiteX0" fmla="*/ 2835357 w 2835357"/>
+              <a:gd name="connsiteY0" fmla="*/ 1480837 h 1480837"/>
+              <a:gd name="connsiteX1" fmla="*/ 0 w 2835357"/>
+              <a:gd name="connsiteY1" fmla="*/ 1480837 h 1480837"/>
+              <a:gd name="connsiteX2" fmla="*/ 1552727 w 2835357"/>
+              <a:gd name="connsiteY2" fmla="*/ 0 h 1480837"/>
+              <a:gd name="connsiteX3" fmla="*/ 2835357 w 2835357"/>
+              <a:gd name="connsiteY3" fmla="*/ 1223245 h 1480837"/>
+            </a:gdLst>
+            <a:ahLst/>
+            <a:cxnLst>
+              <a:cxn ang="0">
+                <a:pos x="connsiteX0" y="connsiteY0"/>
+              </a:cxn>
+              <a:cxn ang="0">
+                <a:pos x="connsiteX1" y="connsiteY1"/>
+              </a:cxn>
+              <a:cxn ang="0">
+                <a:pos x="connsiteX2" y="connsiteY2"/>
+              </a:cxn>
+              <a:cxn ang="0">
+                <a:pos x="connsiteX3" y="connsiteY3"/>
+              </a:cxn>
+            </a:cxnLst>
+            <a:rect l="l" t="t" r="r" b="b"/>
+            <a:pathLst>
+              <a:path w="2835357" h="1480837">
+                <a:moveTo>
+                  <a:pt x="2835357" y="1480837"/>
+                </a:moveTo>
+                <a:lnTo>
+                  <a:pt x="0" y="1480837"/>
+                </a:lnTo>
+                <a:lnTo>
+                  <a:pt x="1552727" y="0"/>
+                </a:lnTo>
+                <a:lnTo>
+                  <a:pt x="2835357" y="1223245"/>
+                </a:lnTo>
+                <a:close/>
+              </a:path>
+            </a:pathLst>
+          </a:custGeom>
+          <a:solidFill>
+            <a:schemeClr val="accent4">
+              <a:alpha val="30000"/>
+            </a:schemeClr>
+          </a:solidFill>
+          <a:ln>
+            <a:noFill/>
+          </a:ln>
+        </p:spPr>
+        <p:style>
+          <a:lnRef idx="2">
+            <a:schemeClr val="accent1">
+              <a:shade val="50000"/>
+            </a:schemeClr>
+          </a:lnRef>
+          <a:fillRef idx="1">
+            <a:schemeClr val="accent1"/>
+          </a:fillRef>
+          <a:effectRef idx="0">
+            <a:schemeClr val="accent1"/>
+          </a:effectRef>
+          <a:fontRef idx="minor">
+            <a:schemeClr val="lt1"/>
+          </a:fontRef>
+        </p:style>
+        <p:txBody>
+          <a:bodyPr wrap="square" rtlCol="0" anchor="ctr">
+            <a:noAutofit/>
+          </a:bodyPr>
+          <a:lstStyle/>
+          <a:p>
+            <a:pPr algn="ctr"/>
+            <a:endParaRPr lang="en-US" dirty="0"/>
+          </a:p>
+        </p:txBody>
+      </p:sp>
+      <p:sp>
+        <p:nvSpPr>
+          <p:cNvPr id="20" name="Isosceles Triangle 19">
+            <a:extLst>
+              <a:ext uri="{FF2B5EF4-FFF2-40B4-BE49-F238E27FC236}">
+                <a16:creationId xmlns:a16="http://schemas.microsoft.com/office/drawing/2014/main" id="{FF9F2414-84E8-453E-B1F3-389FDE8192D9}"/>
+              </a:ext>
+              <a:ext uri="{C183D7F6-B498-43B3-948B-1728B52AA6E4}">
+                <adec:decorative xmlns:adec="http://schemas.microsoft.com/office/drawing/2017/decorative" val="1"/>
+              </a:ext>
+            </a:extLst>
+          </p:cNvPr>
+          <p:cNvSpPr>
+            <a:spLocks noGrp="1" noRot="1" noChangeAspect="1" noMove="1" noResize="1" noEditPoints="1" noAdjustHandles="1" noChangeArrowheads="1" noChangeShapeType="1" noTextEdit="1"/>
+          </p:cNvSpPr>
+          <p:nvPr>
+            <p:extLst>
+              <p:ext uri="{386F3935-93C4-4BCD-93E2-E3B085C9AB24}">
+                <p16:designElem xmlns:p16="http://schemas.microsoft.com/office/powerpoint/2015/main" val="1"/>
+              </p:ext>
+            </p:extLst>
+          </p:nvPr>
+        </p:nvSpPr>
+        <p:spPr>
+          <a:xfrm flipH="1">
+            <a:off x="7976344" y="6115501"/>
+            <a:ext cx="1494513" cy="742499"/>
+          </a:xfrm>
+          <a:prstGeom prst="triangle">
+            <a:avLst/>
+          </a:prstGeom>
+          <a:solidFill>
+            <a:schemeClr val="accent1">
+              <a:alpha val="30000"/>
+            </a:schemeClr>
+          </a:solidFill>
+          <a:ln>
+            <a:noFill/>
+          </a:ln>
+        </p:spPr>
+        <p:style>
+          <a:lnRef idx="2">
+            <a:schemeClr val="accent1">
+              <a:shade val="50000"/>
+            </a:schemeClr>
+          </a:lnRef>
+          <a:fillRef idx="1">
+            <a:schemeClr val="accent1"/>
+          </a:fillRef>
+          <a:effectRef idx="0">
+            <a:schemeClr val="accent1"/>
+          </a:effectRef>
+          <a:fontRef idx="minor">
+            <a:schemeClr val="lt1"/>
+          </a:fontRef>
+        </p:style>
+        <p:txBody>
+          <a:bodyPr rtlCol="0" anchor="ctr"/>
+          <a:lstStyle/>
+          <a:p>
+            <a:pPr algn="ctr"/>
+            <a:endParaRPr lang="en-US"/>
+          </a:p>
+        </p:txBody>
+      </p:sp>
+      <p:pic>
+        <p:nvPicPr>
+          <p:cNvPr id="5" name="Picture 4" descr="Graphical user interface&#10;&#10;Description automatically generated with medium confidence">
+            <a:extLst>
+              <a:ext uri="{FF2B5EF4-FFF2-40B4-BE49-F238E27FC236}">
+                <a16:creationId xmlns:a16="http://schemas.microsoft.com/office/drawing/2014/main" id="{D4B72588-4942-E74B-94E1-E419843C0545}"/>
+              </a:ext>
+            </a:extLst>
+          </p:cNvPr>
+          <p:cNvPicPr>
+            <a:picLocks noChangeAspect="1"/>
+          </p:cNvPicPr>
+          <p:nvPr/>
+        </p:nvPicPr>
+        <p:blipFill>
+          <a:blip r:embed="rId2"/>
+          <a:stretch>
+            <a:fillRect/>
+          </a:stretch>
+        </p:blipFill>
+        <p:spPr>
+          <a:xfrm>
+            <a:off x="1490133" y="9143"/>
+            <a:ext cx="9245600" cy="6864858"/>
+          </a:xfrm>
+          <a:prstGeom prst="rect">
+            <a:avLst/>
+          </a:prstGeom>
+          <a:ln>
+            <a:noFill/>
+          </a:ln>
+        </p:spPr>
+      </p:pic>
+      <p:sp>
+        <p:nvSpPr>
+          <p:cNvPr id="22" name="Isosceles Triangle 21">
+            <a:extLst>
+              <a:ext uri="{FF2B5EF4-FFF2-40B4-BE49-F238E27FC236}">
+                <a16:creationId xmlns:a16="http://schemas.microsoft.com/office/drawing/2014/main" id="{3ECA69A1-7536-43AC-85EF-C7106179F5ED}"/>
+              </a:ext>
+              <a:ext uri="{C183D7F6-B498-43B3-948B-1728B52AA6E4}">
+                <adec:decorative xmlns:adec="http://schemas.microsoft.com/office/drawing/2017/decorative" val="1"/>
+              </a:ext>
+            </a:extLst>
+          </p:cNvPr>
+          <p:cNvSpPr>
+            <a:spLocks noGrp="1" noRot="1" noChangeAspect="1" noMove="1" noResize="1" noEditPoints="1" noAdjustHandles="1" noChangeArrowheads="1" noChangeShapeType="1" noTextEdit="1"/>
+          </p:cNvSpPr>
+          <p:nvPr>
+            <p:extLst>
+              <p:ext uri="{386F3935-93C4-4BCD-93E2-E3B085C9AB24}">
+                <p16:designElem xmlns:p16="http://schemas.microsoft.com/office/powerpoint/2015/main" val="1"/>
+              </p:ext>
+            </p:extLst>
+          </p:nvPr>
+        </p:nvSpPr>
+        <p:spPr>
+          <a:xfrm flipH="1">
+            <a:off x="7604080" y="6453143"/>
+            <a:ext cx="814903" cy="404857"/>
+          </a:xfrm>
+          <a:prstGeom prst="triangle">
+            <a:avLst/>
+          </a:prstGeom>
+          <a:solidFill>
+            <a:schemeClr val="accent1">
+              <a:alpha val="30000"/>
+            </a:schemeClr>
+          </a:solidFill>
+          <a:ln>
+            <a:noFill/>
+          </a:ln>
+        </p:spPr>
+        <p:style>
+          <a:lnRef idx="2">
+            <a:schemeClr val="accent1">
+              <a:shade val="50000"/>
+            </a:schemeClr>
+          </a:lnRef>
+          <a:fillRef idx="1">
+            <a:schemeClr val="accent1"/>
+          </a:fillRef>
+          <a:effectRef idx="0">
+            <a:schemeClr val="accent1"/>
+          </a:effectRef>
+          <a:fontRef idx="minor">
+            <a:schemeClr val="lt1"/>
+          </a:fontRef>
+        </p:style>
+        <p:txBody>
+          <a:bodyPr rtlCol="0" anchor="ctr"/>
+          <a:lstStyle/>
+          <a:p>
+            <a:pPr algn="ctr"/>
+            <a:endParaRPr lang="en-US"/>
+          </a:p>
+        </p:txBody>
+      </p:sp>
+    </p:spTree>
+    <p:extLst>
+      <p:ext uri="{BB962C8B-B14F-4D97-AF65-F5344CB8AC3E}">
+        <p14:creationId xmlns:p14="http://schemas.microsoft.com/office/powerpoint/2010/main" val="3337990027"/>
+      </p:ext>
+    </p:extLst>
+  </p:cSld>
+  <p:clrMapOvr>
+    <a:masterClrMapping/>
+  </p:clrMapOvr>
+</p:sld>
+</file>
+
+<file path=ppt/slides/slide7.xml><?xml version="1.0" encoding="utf-8"?>
 <p:sld xmlns:a="http://schemas.openxmlformats.org/drawingml/2006/main" xmlns:r="http://schemas.openxmlformats.org/officeDocument/2006/relationships" xmlns:p="http://schemas.openxmlformats.org/presentationml/2006/main">
   <p:cSld>
     <p:spTree>
